--- a/DocSources/images/cmm-architecture.pptx
+++ b/DocSources/images/cmm-architecture.pptx
@@ -104,6 +104,11 @@
       </a:defRPr>
     </a:lvl9pPr>
   </p:defaultTextStyle>
+  <p:extLst>
+    <p:ext uri="{EFAFB233-063F-42B5-8137-9DF3F51BA10A}">
+      <p15:sldGuideLst xmlns:p15="http://schemas.microsoft.com/office/powerpoint/2012/main"/>
+    </p:ext>
+  </p:extLst>
 </p:presentation>
 </file>
 
@@ -238,7 +243,7 @@
           <a:p>
             <a:fld id="{2D9E10FB-F11A-44AD-8884-66F22B9C57F5}" type="datetimeFigureOut">
               <a:rPr lang="en-US" smtClean="0"/>
-              <a:t>4/19/2017</a:t>
+              <a:t>5/3/2017</a:t>
             </a:fld>
             <a:endParaRPr lang="en-US"/>
           </a:p>
@@ -408,7 +413,7 @@
           <a:p>
             <a:fld id="{2D9E10FB-F11A-44AD-8884-66F22B9C57F5}" type="datetimeFigureOut">
               <a:rPr lang="en-US" smtClean="0"/>
-              <a:t>4/19/2017</a:t>
+              <a:t>5/3/2017</a:t>
             </a:fld>
             <a:endParaRPr lang="en-US"/>
           </a:p>
@@ -588,7 +593,7 @@
           <a:p>
             <a:fld id="{2D9E10FB-F11A-44AD-8884-66F22B9C57F5}" type="datetimeFigureOut">
               <a:rPr lang="en-US" smtClean="0"/>
-              <a:t>4/19/2017</a:t>
+              <a:t>5/3/2017</a:t>
             </a:fld>
             <a:endParaRPr lang="en-US"/>
           </a:p>
@@ -758,7 +763,7 @@
           <a:p>
             <a:fld id="{2D9E10FB-F11A-44AD-8884-66F22B9C57F5}" type="datetimeFigureOut">
               <a:rPr lang="en-US" smtClean="0"/>
-              <a:t>4/19/2017</a:t>
+              <a:t>5/3/2017</a:t>
             </a:fld>
             <a:endParaRPr lang="en-US"/>
           </a:p>
@@ -1004,7 +1009,7 @@
           <a:p>
             <a:fld id="{2D9E10FB-F11A-44AD-8884-66F22B9C57F5}" type="datetimeFigureOut">
               <a:rPr lang="en-US" smtClean="0"/>
-              <a:t>4/19/2017</a:t>
+              <a:t>5/3/2017</a:t>
             </a:fld>
             <a:endParaRPr lang="en-US"/>
           </a:p>
@@ -1236,7 +1241,7 @@
           <a:p>
             <a:fld id="{2D9E10FB-F11A-44AD-8884-66F22B9C57F5}" type="datetimeFigureOut">
               <a:rPr lang="en-US" smtClean="0"/>
-              <a:t>4/19/2017</a:t>
+              <a:t>5/3/2017</a:t>
             </a:fld>
             <a:endParaRPr lang="en-US"/>
           </a:p>
@@ -1603,7 +1608,7 @@
           <a:p>
             <a:fld id="{2D9E10FB-F11A-44AD-8884-66F22B9C57F5}" type="datetimeFigureOut">
               <a:rPr lang="en-US" smtClean="0"/>
-              <a:t>4/19/2017</a:t>
+              <a:t>5/3/2017</a:t>
             </a:fld>
             <a:endParaRPr lang="en-US"/>
           </a:p>
@@ -1721,7 +1726,7 @@
           <a:p>
             <a:fld id="{2D9E10FB-F11A-44AD-8884-66F22B9C57F5}" type="datetimeFigureOut">
               <a:rPr lang="en-US" smtClean="0"/>
-              <a:t>4/19/2017</a:t>
+              <a:t>5/3/2017</a:t>
             </a:fld>
             <a:endParaRPr lang="en-US"/>
           </a:p>
@@ -1816,7 +1821,7 @@
           <a:p>
             <a:fld id="{2D9E10FB-F11A-44AD-8884-66F22B9C57F5}" type="datetimeFigureOut">
               <a:rPr lang="en-US" smtClean="0"/>
-              <a:t>4/19/2017</a:t>
+              <a:t>5/3/2017</a:t>
             </a:fld>
             <a:endParaRPr lang="en-US"/>
           </a:p>
@@ -2093,7 +2098,7 @@
           <a:p>
             <a:fld id="{2D9E10FB-F11A-44AD-8884-66F22B9C57F5}" type="datetimeFigureOut">
               <a:rPr lang="en-US" smtClean="0"/>
-              <a:t>4/19/2017</a:t>
+              <a:t>5/3/2017</a:t>
             </a:fld>
             <a:endParaRPr lang="en-US"/>
           </a:p>
@@ -2346,7 +2351,7 @@
           <a:p>
             <a:fld id="{2D9E10FB-F11A-44AD-8884-66F22B9C57F5}" type="datetimeFigureOut">
               <a:rPr lang="en-US" smtClean="0"/>
-              <a:t>4/19/2017</a:t>
+              <a:t>5/3/2017</a:t>
             </a:fld>
             <a:endParaRPr lang="en-US"/>
           </a:p>
@@ -2559,7 +2564,7 @@
           <a:p>
             <a:fld id="{2D9E10FB-F11A-44AD-8884-66F22B9C57F5}" type="datetimeFigureOut">
               <a:rPr lang="en-US" smtClean="0"/>
-              <a:t>4/19/2017</a:t>
+              <a:t>5/3/2017</a:t>
             </a:fld>
             <a:endParaRPr lang="en-US"/>
           </a:p>
@@ -4093,6 +4098,7 @@
             </a:bodyPr>
             <a:lstStyle/>
             <a:p>
+              <a:pPr algn="ctr"/>
               <a:r>
                 <a:rPr lang="en-US" sz="1000" b="1" dirty="0" smtClean="0">
                   <a:solidFill>
@@ -4580,7 +4586,7 @@
           <p:spPr bwMode="auto">
             <a:xfrm>
               <a:off x="2699792" y="4615136"/>
-              <a:ext cx="0" cy="576064"/>
+              <a:ext cx="0" cy="504000"/>
             </a:xfrm>
             <a:prstGeom prst="line">
               <a:avLst/>
@@ -4630,7 +4636,7 @@
           <p:spPr bwMode="auto">
             <a:xfrm>
               <a:off x="3059832" y="4615136"/>
-              <a:ext cx="0" cy="576064"/>
+              <a:ext cx="0" cy="504000"/>
             </a:xfrm>
             <a:prstGeom prst="line">
               <a:avLst/>
@@ -4970,7 +4976,7 @@
           </p:nvSpPr>
           <p:spPr>
             <a:xfrm>
-              <a:off x="3799745" y="2060848"/>
+              <a:off x="3836321" y="2060848"/>
               <a:ext cx="1297150" cy="553998"/>
             </a:xfrm>
             <a:prstGeom prst="rect">
@@ -5029,7 +5035,7 @@
           </p:nvSpPr>
           <p:spPr>
             <a:xfrm>
-              <a:off x="6023392" y="2060848"/>
+              <a:off x="6005104" y="2060848"/>
               <a:ext cx="708848" cy="246221"/>
             </a:xfrm>
             <a:prstGeom prst="rect">
@@ -5343,13 +5349,13 @@
             <a:p>
               <a:pPr algn="l"/>
               <a:r>
-                <a:rPr lang="en-US" sz="1000" b="1" dirty="0" err="1" smtClean="0">
+                <a:rPr lang="en-US" sz="1000" b="1" dirty="0" smtClean="0">
                   <a:solidFill>
                     <a:schemeClr val="tx1"/>
                   </a:solidFill>
                   <a:latin typeface="Fujitsu Sans"/>
                 </a:rPr>
-                <a:t>OpenStack</a:t>
+                <a:t>OpenStack </a:t>
               </a:r>
               <a:r>
                 <a:rPr lang="en-US" sz="1000" b="1" dirty="0" smtClean="0">
@@ -5358,7 +5364,7 @@
                   </a:solidFill>
                   <a:latin typeface="Fujitsu Sans"/>
                 </a:rPr>
-                <a:t> Environment</a:t>
+                <a:t>Environment</a:t>
               </a:r>
               <a:endParaRPr lang="en-US" sz="1000" b="1" dirty="0">
                 <a:solidFill>
